--- a/iie4122/project/Travel Planner using GA and solving TSP - Team 12.pptx
+++ b/iie4122/project/Travel Planner using GA and solving TSP - Team 12.pptx
@@ -211,7 +211,7 @@
           <a:p>
             <a:fld id="{C6B9B0AA-5E97-4EDC-9323-B33779657F62}" type="datetimeFigureOut">
               <a:rPr lang="ko-KR" altLang="en-US" smtClean="0"/>
-              <a:t>2024. 4. 23.</a:t>
+              <a:t>2024. 4. 25.</a:t>
             </a:fld>
             <a:endParaRPr lang="ko-KR" altLang="en-US"/>
           </a:p>
@@ -793,7 +793,7 @@
           <a:p>
             <a:fld id="{1553ED27-7AE9-4960-AFF2-C3C1084F7551}" type="datetimeFigureOut">
               <a:rPr lang="ko-KR" altLang="en-US" smtClean="0"/>
-              <a:t>2024. 4. 23.</a:t>
+              <a:t>2024. 4. 25.</a:t>
             </a:fld>
             <a:endParaRPr lang="ko-KR" altLang="en-US"/>
           </a:p>
@@ -991,7 +991,7 @@
           <a:p>
             <a:fld id="{1553ED27-7AE9-4960-AFF2-C3C1084F7551}" type="datetimeFigureOut">
               <a:rPr lang="ko-KR" altLang="en-US" smtClean="0"/>
-              <a:t>2024. 4. 23.</a:t>
+              <a:t>2024. 4. 25.</a:t>
             </a:fld>
             <a:endParaRPr lang="ko-KR" altLang="en-US"/>
           </a:p>
@@ -1199,7 +1199,7 @@
           <a:p>
             <a:fld id="{1553ED27-7AE9-4960-AFF2-C3C1084F7551}" type="datetimeFigureOut">
               <a:rPr lang="ko-KR" altLang="en-US" smtClean="0"/>
-              <a:t>2024. 4. 23.</a:t>
+              <a:t>2024. 4. 25.</a:t>
             </a:fld>
             <a:endParaRPr lang="ko-KR" altLang="en-US"/>
           </a:p>
@@ -1397,7 +1397,7 @@
           <a:p>
             <a:fld id="{1553ED27-7AE9-4960-AFF2-C3C1084F7551}" type="datetimeFigureOut">
               <a:rPr lang="ko-KR" altLang="en-US" smtClean="0"/>
-              <a:t>2024. 4. 23.</a:t>
+              <a:t>2024. 4. 25.</a:t>
             </a:fld>
             <a:endParaRPr lang="ko-KR" altLang="en-US"/>
           </a:p>
@@ -1672,7 +1672,7 @@
           <a:p>
             <a:fld id="{1553ED27-7AE9-4960-AFF2-C3C1084F7551}" type="datetimeFigureOut">
               <a:rPr lang="ko-KR" altLang="en-US" smtClean="0"/>
-              <a:t>2024. 4. 23.</a:t>
+              <a:t>2024. 4. 25.</a:t>
             </a:fld>
             <a:endParaRPr lang="ko-KR" altLang="en-US"/>
           </a:p>
@@ -1937,7 +1937,7 @@
           <a:p>
             <a:fld id="{1553ED27-7AE9-4960-AFF2-C3C1084F7551}" type="datetimeFigureOut">
               <a:rPr lang="ko-KR" altLang="en-US" smtClean="0"/>
-              <a:t>2024. 4. 23.</a:t>
+              <a:t>2024. 4. 25.</a:t>
             </a:fld>
             <a:endParaRPr lang="ko-KR" altLang="en-US"/>
           </a:p>
@@ -2349,7 +2349,7 @@
           <a:p>
             <a:fld id="{1553ED27-7AE9-4960-AFF2-C3C1084F7551}" type="datetimeFigureOut">
               <a:rPr lang="ko-KR" altLang="en-US" smtClean="0"/>
-              <a:t>2024. 4. 23.</a:t>
+              <a:t>2024. 4. 25.</a:t>
             </a:fld>
             <a:endParaRPr lang="ko-KR" altLang="en-US"/>
           </a:p>
@@ -2490,7 +2490,7 @@
           <a:p>
             <a:fld id="{1553ED27-7AE9-4960-AFF2-C3C1084F7551}" type="datetimeFigureOut">
               <a:rPr lang="ko-KR" altLang="en-US" smtClean="0"/>
-              <a:t>2024. 4. 23.</a:t>
+              <a:t>2024. 4. 25.</a:t>
             </a:fld>
             <a:endParaRPr lang="ko-KR" altLang="en-US"/>
           </a:p>
@@ -2603,7 +2603,7 @@
           <a:p>
             <a:fld id="{1553ED27-7AE9-4960-AFF2-C3C1084F7551}" type="datetimeFigureOut">
               <a:rPr lang="ko-KR" altLang="en-US" smtClean="0"/>
-              <a:t>2024. 4. 23.</a:t>
+              <a:t>2024. 4. 25.</a:t>
             </a:fld>
             <a:endParaRPr lang="ko-KR" altLang="en-US"/>
           </a:p>
@@ -2914,7 +2914,7 @@
           <a:p>
             <a:fld id="{1553ED27-7AE9-4960-AFF2-C3C1084F7551}" type="datetimeFigureOut">
               <a:rPr lang="ko-KR" altLang="en-US" smtClean="0"/>
-              <a:t>2024. 4. 23.</a:t>
+              <a:t>2024. 4. 25.</a:t>
             </a:fld>
             <a:endParaRPr lang="ko-KR" altLang="en-US"/>
           </a:p>
@@ -3202,7 +3202,7 @@
           <a:p>
             <a:fld id="{1553ED27-7AE9-4960-AFF2-C3C1084F7551}" type="datetimeFigureOut">
               <a:rPr lang="ko-KR" altLang="en-US" smtClean="0"/>
-              <a:t>2024. 4. 23.</a:t>
+              <a:t>2024. 4. 25.</a:t>
             </a:fld>
             <a:endParaRPr lang="ko-KR" altLang="en-US"/>
           </a:p>
@@ -3443,7 +3443,7 @@
           <a:p>
             <a:fld id="{1553ED27-7AE9-4960-AFF2-C3C1084F7551}" type="datetimeFigureOut">
               <a:rPr lang="ko-KR" altLang="en-US" smtClean="0"/>
-              <a:t>2024. 4. 23.</a:t>
+              <a:t>2024. 4. 25.</a:t>
             </a:fld>
             <a:endParaRPr lang="ko-KR" altLang="en-US"/>
           </a:p>
@@ -4545,10 +4545,10 @@
       </p:sp>
       <p:pic>
         <p:nvPicPr>
-          <p:cNvPr id="7" name="내용 개체 틀 6">
-            <a:extLst>
-              <a:ext uri="{FF2B5EF4-FFF2-40B4-BE49-F238E27FC236}">
-                <a16:creationId xmlns:a16="http://schemas.microsoft.com/office/drawing/2014/main" id="{DE3ADD07-BB53-486D-0EEB-848CDA5FE646}"/>
+          <p:cNvPr id="6" name="내용 개체 틀 5" descr="텍스트, 스크린샷, 메뉴이(가) 표시된 사진&#10;&#10;자동 생성된 설명">
+            <a:extLst>
+              <a:ext uri="{FF2B5EF4-FFF2-40B4-BE49-F238E27FC236}">
+                <a16:creationId xmlns:a16="http://schemas.microsoft.com/office/drawing/2014/main" id="{8B79859C-2052-76A3-548D-013414ECC5FA}"/>
               </a:ext>
             </a:extLst>
           </p:cNvPr>
@@ -4560,14 +4560,20 @@
           </p:nvPr>
         </p:nvPicPr>
         <p:blipFill rotWithShape="1">
-          <a:blip r:embed="rId2"/>
-          <a:srcRect l="6462" t="3491" r="6875" b="3723"/>
+          <a:blip r:embed="rId2">
+            <a:extLst>
+              <a:ext uri="{28A0092B-C50C-407E-A947-70E740481C1C}">
+                <a14:useLocalDpi xmlns:a14="http://schemas.microsoft.com/office/drawing/2010/main" val="0"/>
+              </a:ext>
+            </a:extLst>
+          </a:blip>
+          <a:srcRect l="6150" t="3554" r="7199" b="3450"/>
           <a:stretch/>
         </p:blipFill>
         <p:spPr>
           <a:xfrm rot="16200000">
-            <a:off x="3996232" y="-2305541"/>
-            <a:ext cx="4199540" cy="12192001"/>
+            <a:off x="3901782" y="-2199806"/>
+            <a:ext cx="4399724" cy="12180712"/>
           </a:xfrm>
         </p:spPr>
       </p:pic>
@@ -7778,7 +7784,7 @@
         </p:nvSpPr>
         <p:spPr>
           <a:xfrm>
-            <a:off x="839788" y="1300163"/>
+            <a:off x="839788" y="921790"/>
             <a:ext cx="5157787" cy="823912"/>
           </a:xfrm>
         </p:spPr>
@@ -7818,7 +7824,7 @@
         </p:blipFill>
         <p:spPr>
           <a:xfrm>
-            <a:off x="839788" y="2417290"/>
+            <a:off x="839788" y="2038917"/>
             <a:ext cx="5157787" cy="2544160"/>
           </a:xfrm>
         </p:spPr>
@@ -7841,7 +7847,7 @@
         </p:nvSpPr>
         <p:spPr>
           <a:xfrm>
-            <a:off x="6172200" y="1300163"/>
+            <a:off x="6172200" y="921790"/>
             <a:ext cx="5183188" cy="823912"/>
           </a:xfrm>
         </p:spPr>
@@ -7871,8 +7877,8 @@
         </p:nvSpPr>
         <p:spPr>
           <a:xfrm>
-            <a:off x="839788" y="5292546"/>
-            <a:ext cx="4836773" cy="1200329"/>
+            <a:off x="864567" y="4583077"/>
+            <a:ext cx="5133008" cy="2031325"/>
           </a:xfrm>
           <a:prstGeom prst="rect">
             <a:avLst/>
@@ -7887,33 +7893,57 @@
           <a:p>
             <a:r>
               <a:rPr lang="en-US" altLang="ko-KR" dirty="0"/>
-              <a:t>High fluctuation between days.</a:t>
-            </a:r>
-          </a:p>
-          <a:p>
-            <a:r>
+              <a:t>K-means only considers physical coordinates</a:t>
+            </a:r>
+            <a:br>
               <a:rPr lang="en-US" altLang="ko-KR" dirty="0"/>
-              <a:t>Min. 2770 sec</a:t>
-            </a:r>
-          </a:p>
-          <a:p>
+            </a:br>
             <a:r>
               <a:rPr lang="en-US" altLang="ko-KR" dirty="0"/>
-              <a:t>Max. 12030 sec(</a:t>
+              <a:t>(not the real traveling time), </a:t>
+            </a:r>
+            <a:br>
+              <a:rPr lang="en-US" altLang="ko-KR" dirty="0"/>
+            </a:br>
+            <a:r>
+              <a:rPr lang="en-US" altLang="ko-KR" dirty="0"/>
+              <a:t>and doesn’t consider the size of clusters</a:t>
+            </a:r>
+          </a:p>
+          <a:p>
+            <a:r>
+              <a:rPr lang="en-US" altLang="ko-KR" dirty="0"/>
+              <a:t>It results to high fluctuation between days.</a:t>
+            </a:r>
+          </a:p>
+          <a:p>
+            <a:r>
+              <a:rPr lang="en-US" altLang="ko-KR" dirty="0"/>
+              <a:t>Day 7 has 46 minutes(3 sites)</a:t>
+            </a:r>
+          </a:p>
+          <a:p>
+            <a:r>
+              <a:rPr lang="en-US" altLang="ko-KR" dirty="0"/>
+              <a:t>Day 1 has </a:t>
             </a:r>
             <a:r>
               <a:rPr lang="en-US" altLang="ko-KR" dirty="0">
                 <a:sym typeface="Wingdings" panose="05000000000000000000" pitchFamily="2" charset="2"/>
               </a:rPr>
-              <a:t>5 hours) for travel time only</a:t>
-            </a:r>
-          </a:p>
-          <a:p>
+              <a:t>5 hours(15 sites) for travel time only</a:t>
+            </a:r>
+          </a:p>
+          <a:p>
+            <a:pPr marL="285750" indent="-285750">
+              <a:buFont typeface="Wingdings" pitchFamily="2" charset="2"/>
+              <a:buChar char="à"/>
+            </a:pPr>
             <a:r>
               <a:rPr lang="en-US" altLang="ko-KR" dirty="0">
                 <a:sym typeface="Wingdings" panose="05000000000000000000" pitchFamily="2" charset="2"/>
               </a:rPr>
-              <a:t> Too little time for sight-seeing</a:t>
+              <a:t>Too little time for sight-seeing</a:t>
             </a:r>
           </a:p>
         </p:txBody>
@@ -7932,8 +7962,8 @@
         </p:nvSpPr>
         <p:spPr>
           <a:xfrm>
-            <a:off x="6172200" y="5292546"/>
-            <a:ext cx="4524124" cy="1200329"/>
+            <a:off x="6500998" y="4583077"/>
+            <a:ext cx="5028749" cy="2031325"/>
           </a:xfrm>
           <a:prstGeom prst="rect">
             <a:avLst/>
@@ -7948,19 +7978,46 @@
           <a:p>
             <a:r>
               <a:rPr lang="en-US" altLang="ko-KR" dirty="0"/>
-              <a:t>Low fluctuation between days.</a:t>
-            </a:r>
-          </a:p>
-          <a:p>
-            <a:r>
+              <a:t>Using GA and real public transportation data,</a:t>
+            </a:r>
+            <a:br>
               <a:rPr lang="en-US" altLang="ko-KR" dirty="0"/>
-              <a:t>Min. 6733sec(1hour 52min)</a:t>
-            </a:r>
-          </a:p>
-          <a:p>
+            </a:br>
             <a:r>
               <a:rPr lang="en-US" altLang="ko-KR" dirty="0"/>
-              <a:t>Max. 7510sec(2hour 5min) for travel time</a:t>
+              <a:t>it results in practical travel time</a:t>
+            </a:r>
+          </a:p>
+          <a:p>
+            <a:r>
+              <a:rPr lang="en-US" altLang="ko-KR" dirty="0"/>
+              <a:t>with reasonable cluster sizes</a:t>
+            </a:r>
+          </a:p>
+          <a:p>
+            <a:r>
+              <a:rPr lang="en-US" altLang="ko-KR" dirty="0"/>
+              <a:t>It results to low fluctuation between days.</a:t>
+            </a:r>
+          </a:p>
+          <a:p>
+            <a:r>
+              <a:rPr lang="en-US" altLang="ko-KR" dirty="0"/>
+              <a:t>Day 7 has 1hour 53min(6</a:t>
+            </a:r>
+            <a:r>
+              <a:rPr lang="ko-KR" altLang="en-US" dirty="0"/>
+              <a:t> </a:t>
+            </a:r>
+            <a:r>
+              <a:rPr lang="en-US" altLang="ko-KR" dirty="0"/>
+              <a:t>sites) </a:t>
+            </a:r>
+          </a:p>
+          <a:p>
+            <a:r>
+              <a:rPr lang="en-US" altLang="ko-KR" dirty="0"/>
+              <a:t>Day 4 has 2hour 2min(10 sites) for travel time</a:t>
             </a:r>
           </a:p>
           <a:p>
@@ -7974,50 +8031,21 @@
           </a:p>
         </p:txBody>
       </p:sp>
-      <p:pic>
-        <p:nvPicPr>
-          <p:cNvPr id="8" name="내용 개체 틀 7">
-            <a:extLst>
-              <a:ext uri="{FF2B5EF4-FFF2-40B4-BE49-F238E27FC236}">
-                <a16:creationId xmlns:a16="http://schemas.microsoft.com/office/drawing/2014/main" id="{6718F80C-17B9-D4D5-20C8-B72359C0CBE9}"/>
-              </a:ext>
-            </a:extLst>
-          </p:cNvPr>
-          <p:cNvPicPr>
-            <a:picLocks noGrp="1" noChangeAspect="1"/>
-          </p:cNvPicPr>
-          <p:nvPr>
-            <p:ph sz="quarter" idx="4"/>
-          </p:nvPr>
-        </p:nvPicPr>
-        <p:blipFill>
-          <a:blip r:embed="rId4"/>
-          <a:stretch>
-            <a:fillRect/>
-          </a:stretch>
-        </p:blipFill>
+      <p:sp>
+        <p:nvSpPr>
+          <p:cNvPr id="4" name="TextBox 3">
+            <a:extLst>
+              <a:ext uri="{FF2B5EF4-FFF2-40B4-BE49-F238E27FC236}">
+                <a16:creationId xmlns:a16="http://schemas.microsoft.com/office/drawing/2014/main" id="{36497658-AFC0-4B13-C2CC-661CFDB3B147}"/>
+              </a:ext>
+            </a:extLst>
+          </p:cNvPr>
+          <p:cNvSpPr txBox="1"/>
+          <p:nvPr/>
+        </p:nvSpPr>
         <p:spPr>
           <a:xfrm>
-            <a:off x="6371303" y="2902825"/>
-            <a:ext cx="5183188" cy="1956334"/>
-          </a:xfrm>
-        </p:spPr>
-      </p:pic>
-      <p:sp>
-        <p:nvSpPr>
-          <p:cNvPr id="4" name="TextBox 3">
-            <a:extLst>
-              <a:ext uri="{FF2B5EF4-FFF2-40B4-BE49-F238E27FC236}">
-                <a16:creationId xmlns:a16="http://schemas.microsoft.com/office/drawing/2014/main" id="{36497658-AFC0-4B13-C2CC-661CFDB3B147}"/>
-              </a:ext>
-            </a:extLst>
-          </p:cNvPr>
-          <p:cNvSpPr txBox="1"/>
-          <p:nvPr/>
-        </p:nvSpPr>
-        <p:spPr>
-          <a:xfrm>
-            <a:off x="6194427" y="2211427"/>
+            <a:off x="6194427" y="1690688"/>
             <a:ext cx="5536940" cy="923330"/>
           </a:xfrm>
           <a:prstGeom prst="rect">
@@ -8034,21 +8062,52 @@
             <a:r>
               <a:rPr lang="en" altLang="ko-KR" b="0" i="0" dirty="0">
                 <a:effectLst/>
-                <a:latin typeface="+mj-lt"/>
               </a:rPr>
-              <a:t>Best Individual =[4, 3, 3, 2, 2, 6, 3, 6, 4, 0, 3, 6, 2, 0, 6, 5, 1, 0, 4, 2, 3, 6, 0, 6, 1, 2, 4, 2, 2, 5, 3, 4] </a:t>
+              <a:t>Best Individual = [0, 3, 1, 0, 3, 6, 6, 6, 0, 3, 3, 2, 3, 2, 3, 3, 4, 5, 6, 2, 5, 5, 2, 6, 4, 6, 3, 3, 2, 1, 3, 5] </a:t>
             </a:r>
             <a:br>
-              <a:rPr lang="en" altLang="ko-KR" dirty="0">
-                <a:latin typeface="+mj-lt"/>
-              </a:rPr>
+              <a:rPr lang="en" altLang="ko-KR" dirty="0"/>
             </a:br>
-            <a:endParaRPr lang="ko-KR" altLang="en-US" dirty="0">
-              <a:latin typeface="+mj-lt"/>
-            </a:endParaRPr>
-          </a:p>
-        </p:txBody>
-      </p:sp>
+            <a:endParaRPr lang="ko-KR" altLang="en-US" dirty="0"/>
+          </a:p>
+        </p:txBody>
+      </p:sp>
+      <p:pic>
+        <p:nvPicPr>
+          <p:cNvPr id="6" name="그림 5" descr="텍스트, 스크린샷, 폰트, 블랙이(가) 표시된 사진&#10;&#10;자동 생성된 설명">
+            <a:extLst>
+              <a:ext uri="{FF2B5EF4-FFF2-40B4-BE49-F238E27FC236}">
+                <a16:creationId xmlns:a16="http://schemas.microsoft.com/office/drawing/2014/main" id="{66779673-9801-39E3-8C59-D795A949273C}"/>
+              </a:ext>
+            </a:extLst>
+          </p:cNvPr>
+          <p:cNvPicPr>
+            <a:picLocks noChangeAspect="1"/>
+          </p:cNvPicPr>
+          <p:nvPr/>
+        </p:nvPicPr>
+        <p:blipFill>
+          <a:blip r:embed="rId4">
+            <a:extLst>
+              <a:ext uri="{28A0092B-C50C-407E-A947-70E740481C1C}">
+                <a14:useLocalDpi xmlns:a14="http://schemas.microsoft.com/office/drawing/2010/main" val="0"/>
+              </a:ext>
+            </a:extLst>
+          </a:blip>
+          <a:stretch>
+            <a:fillRect/>
+          </a:stretch>
+        </p:blipFill>
+        <p:spPr>
+          <a:xfrm>
+            <a:off x="6194427" y="2302367"/>
+            <a:ext cx="5737608" cy="2198844"/>
+          </a:xfrm>
+          <a:prstGeom prst="rect">
+            <a:avLst/>
+          </a:prstGeom>
+        </p:spPr>
+      </p:pic>
     </p:spTree>
     <p:extLst>
       <p:ext uri="{BB962C8B-B14F-4D97-AF65-F5344CB8AC3E}">
